--- a/Donor_prediction_challenge/Presentation.pptx
+++ b/Donor_prediction_challenge/Presentation.pptx
@@ -9,9 +9,13 @@
     <p:sldId id="257" r:id="rId3"/>
     <p:sldId id="258" r:id="rId4"/>
     <p:sldId id="259" r:id="rId5"/>
-    <p:sldId id="260" r:id="rId6"/>
-    <p:sldId id="261" r:id="rId7"/>
-    <p:sldId id="262" r:id="rId8"/>
+    <p:sldId id="261" r:id="rId6"/>
+    <p:sldId id="263" r:id="rId7"/>
+    <p:sldId id="267" r:id="rId8"/>
+    <p:sldId id="266" r:id="rId9"/>
+    <p:sldId id="268" r:id="rId10"/>
+    <p:sldId id="262" r:id="rId11"/>
+    <p:sldId id="264" r:id="rId12"/>
   </p:sldIdLst>
   <p:sldSz cx="12192000" cy="6858000"/>
   <p:notesSz cx="6858000" cy="9144000"/>
@@ -265,7 +269,7 @@
           <a:p>
             <a:fld id="{82EDB8D0-98ED-4B86-9D5F-E61ADC70144D}" type="datetimeFigureOut">
               <a:rPr lang="en-US" smtClean="0"/>
-              <a:t>7/20/2020</a:t>
+              <a:t>7/21/2020</a:t>
             </a:fld>
             <a:endParaRPr lang="en-US" dirty="0"/>
           </a:p>
@@ -680,7 +684,7 @@
           <a:p>
             <a:fld id="{82EDB8D0-98ED-4B86-9D5F-E61ADC70144D}" type="datetimeFigureOut">
               <a:rPr lang="en-US" smtClean="0"/>
-              <a:t>7/20/2020</a:t>
+              <a:t>7/21/2020</a:t>
             </a:fld>
             <a:endParaRPr lang="en-US"/>
           </a:p>
@@ -1172,7 +1176,7 @@
           <a:p>
             <a:fld id="{82EDB8D0-98ED-4B86-9D5F-E61ADC70144D}" type="datetimeFigureOut">
               <a:rPr lang="en-US" smtClean="0"/>
-              <a:t>7/20/2020</a:t>
+              <a:t>7/21/2020</a:t>
             </a:fld>
             <a:endParaRPr lang="en-US"/>
           </a:p>
@@ -1659,7 +1663,7 @@
           <a:p>
             <a:fld id="{82EDB8D0-98ED-4B86-9D5F-E61ADC70144D}" type="datetimeFigureOut">
               <a:rPr lang="en-US" smtClean="0"/>
-              <a:t>7/20/2020</a:t>
+              <a:t>7/21/2020</a:t>
             </a:fld>
             <a:endParaRPr lang="en-US" dirty="0"/>
           </a:p>
@@ -2428,7 +2432,7 @@
           <a:p>
             <a:fld id="{82EDB8D0-98ED-4B86-9D5F-E61ADC70144D}" type="datetimeFigureOut">
               <a:rPr lang="en-US" smtClean="0"/>
-              <a:t>7/20/2020</a:t>
+              <a:t>7/21/2020</a:t>
             </a:fld>
             <a:endParaRPr lang="en-US"/>
           </a:p>
@@ -2910,7 +2914,7 @@
           <a:p>
             <a:fld id="{82EDB8D0-98ED-4B86-9D5F-E61ADC70144D}" type="datetimeFigureOut">
               <a:rPr lang="en-US" smtClean="0"/>
-              <a:t>7/20/2020</a:t>
+              <a:t>7/21/2020</a:t>
             </a:fld>
             <a:endParaRPr lang="en-US"/>
           </a:p>
@@ -3606,7 +3610,7 @@
           <a:p>
             <a:fld id="{82EDB8D0-98ED-4B86-9D5F-E61ADC70144D}" type="datetimeFigureOut">
               <a:rPr lang="en-US" smtClean="0"/>
-              <a:t>7/20/2020</a:t>
+              <a:t>7/21/2020</a:t>
             </a:fld>
             <a:endParaRPr lang="en-US"/>
           </a:p>
@@ -4031,7 +4035,7 @@
           <a:p>
             <a:fld id="{82EDB8D0-98ED-4B86-9D5F-E61ADC70144D}" type="datetimeFigureOut">
               <a:rPr lang="en-US" smtClean="0"/>
-              <a:t>7/20/2020</a:t>
+              <a:t>7/21/2020</a:t>
             </a:fld>
             <a:endParaRPr lang="en-US"/>
           </a:p>
@@ -4428,7 +4432,7 @@
           <a:p>
             <a:fld id="{82EDB8D0-98ED-4B86-9D5F-E61ADC70144D}" type="datetimeFigureOut">
               <a:rPr lang="en-US" smtClean="0"/>
-              <a:t>7/20/2020</a:t>
+              <a:t>7/21/2020</a:t>
             </a:fld>
             <a:endParaRPr lang="en-US"/>
           </a:p>
@@ -5023,7 +5027,7 @@
           <a:p>
             <a:fld id="{82EDB8D0-98ED-4B86-9D5F-E61ADC70144D}" type="datetimeFigureOut">
               <a:rPr lang="en-US" smtClean="0"/>
-              <a:t>7/20/2020</a:t>
+              <a:t>7/21/2020</a:t>
             </a:fld>
             <a:endParaRPr lang="en-US"/>
           </a:p>
@@ -5598,7 +5602,7 @@
           <a:p>
             <a:fld id="{82EDB8D0-98ED-4B86-9D5F-E61ADC70144D}" type="datetimeFigureOut">
               <a:rPr lang="en-US" smtClean="0"/>
-              <a:t>7/20/2020</a:t>
+              <a:t>7/21/2020</a:t>
             </a:fld>
             <a:endParaRPr lang="en-US"/>
           </a:p>
@@ -6125,7 +6129,7 @@
             <a:fld id="{82EDB8D0-98ED-4B86-9D5F-E61ADC70144D}" type="datetimeFigureOut">
               <a:rPr lang="en-US" smtClean="0"/>
               <a:pPr/>
-              <a:t>7/20/2020</a:t>
+              <a:t>7/21/2020</a:t>
             </a:fld>
             <a:endParaRPr lang="en-US" dirty="0"/>
           </a:p>
@@ -6627,15 +6631,21 @@
           </p:cNvPicPr>
           <p:nvPr/>
         </p:nvPicPr>
-        <p:blipFill rotWithShape="1">
-          <a:blip r:embed="rId2"/>
-          <a:srcRect r="-1" b="6226"/>
+        <p:blipFill>
+          <a:blip r:embed="rId2">
+            <a:extLst>
+              <a:ext uri="{28A0092B-C50C-407E-A947-70E740481C1C}">
+                <a14:useLocalDpi xmlns:a14="http://schemas.microsoft.com/office/drawing/2010/main" val="0"/>
+              </a:ext>
+            </a:extLst>
+          </a:blip>
+          <a:srcRect/>
           <a:stretch/>
         </p:blipFill>
         <p:spPr>
           <a:xfrm>
-            <a:off x="20" y="10"/>
-            <a:ext cx="12188932" cy="6857990"/>
+            <a:off x="4567" y="0"/>
+            <a:ext cx="12188951" cy="6857990"/>
           </a:xfrm>
           <a:prstGeom prst="rect">
             <a:avLst/>
@@ -6725,10 +6735,10 @@
       </p:sp>
       <p:sp>
         <p:nvSpPr>
-          <p:cNvPr id="2" name="Title 1">
-            <a:extLst>
-              <a:ext uri="{FF2B5EF4-FFF2-40B4-BE49-F238E27FC236}">
-                <a16:creationId xmlns:a16="http://schemas.microsoft.com/office/drawing/2014/main" id="{1F2212FE-3179-42B3-AB3D-C8D0C4764D93}"/>
+          <p:cNvPr id="3" name="Subtitle 2">
+            <a:extLst>
+              <a:ext uri="{FF2B5EF4-FFF2-40B4-BE49-F238E27FC236}">
+                <a16:creationId xmlns:a16="http://schemas.microsoft.com/office/drawing/2014/main" id="{77BE8DB5-502A-4815-96E6-2D37C39EFBD4}"/>
               </a:ext>
             </a:extLst>
           </p:cNvPr>
@@ -6736,70 +6746,42 @@
             <a:spLocks noGrp="1"/>
           </p:cNvSpPr>
           <p:nvPr>
-            <p:ph type="ctrTitle"/>
+            <p:ph type="subTitle" idx="1"/>
           </p:nvPr>
         </p:nvSpPr>
         <p:spPr>
           <a:xfrm>
-            <a:off x="1524000" y="4416721"/>
-            <a:ext cx="9144000" cy="1152663"/>
+            <a:off x="543022" y="0"/>
+            <a:ext cx="11096818" cy="1209178"/>
           </a:xfrm>
         </p:spPr>
         <p:txBody>
           <a:bodyPr>
-            <a:normAutofit fontScale="90000"/>
+            <a:noAutofit/>
           </a:bodyPr>
           <a:lstStyle/>
           <a:p>
-            <a:endParaRPr lang="en-US" sz="4800" dirty="0">
-              <a:solidFill>
-                <a:schemeClr val="bg1"/>
-              </a:solidFill>
-            </a:endParaRPr>
-          </a:p>
-          <a:p>
-            <a:r>
-              <a:rPr lang="en-US" dirty="0"/>
-              <a:t>Donor Prediction Challenge</a:t>
-            </a:r>
-          </a:p>
-        </p:txBody>
-      </p:sp>
-      <p:sp>
-        <p:nvSpPr>
-          <p:cNvPr id="3" name="Subtitle 2">
-            <a:extLst>
-              <a:ext uri="{FF2B5EF4-FFF2-40B4-BE49-F238E27FC236}">
-                <a16:creationId xmlns:a16="http://schemas.microsoft.com/office/drawing/2014/main" id="{77BE8DB5-502A-4815-96E6-2D37C39EFBD4}"/>
-              </a:ext>
-            </a:extLst>
-          </p:cNvPr>
-          <p:cNvSpPr>
-            <a:spLocks noGrp="1"/>
-          </p:cNvSpPr>
-          <p:nvPr>
-            <p:ph type="subTitle" idx="1"/>
-          </p:nvPr>
-        </p:nvSpPr>
-        <p:spPr>
-          <a:xfrm>
-            <a:off x="1524000" y="5636465"/>
-            <a:ext cx="9144000" cy="646785"/>
-          </a:xfrm>
-        </p:spPr>
-        <p:txBody>
-          <a:bodyPr>
-            <a:normAutofit/>
-          </a:bodyPr>
-          <a:lstStyle/>
-          <a:p>
-            <a:r>
-              <a:rPr lang="en-US" dirty="0">
+            <a:r>
+              <a:rPr lang="en-US" sz="9600" b="1" dirty="0">
                 <a:solidFill>
-                  <a:schemeClr val="bg1"/>
+                  <a:schemeClr val="accent2">
+                    <a:lumMod val="40000"/>
+                    <a:lumOff val="60000"/>
+                  </a:schemeClr>
                 </a:solidFill>
               </a:rPr>
-              <a:t>Who is likely to donate to charity?</a:t>
+              <a:t>Who will Donate</a:t>
+            </a:r>
+            <a:r>
+              <a:rPr lang="en-US" sz="9600" dirty="0">
+                <a:solidFill>
+                  <a:schemeClr val="accent2">
+                    <a:lumMod val="40000"/>
+                    <a:lumOff val="60000"/>
+                  </a:schemeClr>
+                </a:solidFill>
+              </a:rPr>
+              <a:t>?</a:t>
             </a:r>
           </a:p>
         </p:txBody>
@@ -6808,6 +6790,216 @@
     <p:extLst>
       <p:ext uri="{BB962C8B-B14F-4D97-AF65-F5344CB8AC3E}">
         <p14:creationId xmlns:p14="http://schemas.microsoft.com/office/powerpoint/2010/main" val="465657286"/>
+      </p:ext>
+    </p:extLst>
+  </p:cSld>
+  <p:clrMapOvr>
+    <a:masterClrMapping/>
+  </p:clrMapOvr>
+</p:sld>
+</file>
+
+<file path=ppt/slides/slide10.xml><?xml version="1.0" encoding="utf-8"?>
+<p:sld xmlns:a="http://schemas.openxmlformats.org/drawingml/2006/main" xmlns:r="http://schemas.openxmlformats.org/officeDocument/2006/relationships" xmlns:p="http://schemas.openxmlformats.org/presentationml/2006/main">
+  <p:cSld>
+    <p:spTree>
+      <p:nvGrpSpPr>
+        <p:cNvPr id="1" name=""/>
+        <p:cNvGrpSpPr/>
+        <p:nvPr/>
+      </p:nvGrpSpPr>
+      <p:grpSpPr>
+        <a:xfrm>
+          <a:off x="0" y="0"/>
+          <a:ext cx="0" cy="0"/>
+          <a:chOff x="0" y="0"/>
+          <a:chExt cx="0" cy="0"/>
+        </a:xfrm>
+      </p:grpSpPr>
+      <p:sp>
+        <p:nvSpPr>
+          <p:cNvPr id="2" name="Title 1">
+            <a:extLst>
+              <a:ext uri="{FF2B5EF4-FFF2-40B4-BE49-F238E27FC236}">
+                <a16:creationId xmlns:a16="http://schemas.microsoft.com/office/drawing/2014/main" id="{AD506057-9C90-413C-852F-A68D60230CFF}"/>
+              </a:ext>
+            </a:extLst>
+          </p:cNvPr>
+          <p:cNvSpPr>
+            <a:spLocks noGrp="1"/>
+          </p:cNvSpPr>
+          <p:nvPr>
+            <p:ph type="title"/>
+          </p:nvPr>
+        </p:nvSpPr>
+        <p:spPr/>
+        <p:txBody>
+          <a:bodyPr/>
+          <a:lstStyle/>
+          <a:p>
+            <a:r>
+              <a:rPr lang="en-US" dirty="0"/>
+              <a:t>Summary and Recommendations</a:t>
+            </a:r>
+          </a:p>
+        </p:txBody>
+      </p:sp>
+      <p:sp>
+        <p:nvSpPr>
+          <p:cNvPr id="3" name="Content Placeholder 2">
+            <a:extLst>
+              <a:ext uri="{FF2B5EF4-FFF2-40B4-BE49-F238E27FC236}">
+                <a16:creationId xmlns:a16="http://schemas.microsoft.com/office/drawing/2014/main" id="{9A20FE87-1356-4D47-8F91-52AE425A1A0E}"/>
+              </a:ext>
+            </a:extLst>
+          </p:cNvPr>
+          <p:cNvSpPr>
+            <a:spLocks noGrp="1"/>
+          </p:cNvSpPr>
+          <p:nvPr>
+            <p:ph idx="1"/>
+          </p:nvPr>
+        </p:nvSpPr>
+        <p:spPr/>
+        <p:txBody>
+          <a:bodyPr/>
+          <a:lstStyle/>
+          <a:p>
+            <a:pPr algn="just"/>
+            <a:r>
+              <a:rPr lang="en-US" dirty="0"/>
+              <a:t>The data collection system has to be improved to fix the following</a:t>
+            </a:r>
+          </a:p>
+          <a:p>
+            <a:pPr lvl="1" algn="just">
+              <a:buFont typeface="Wingdings" panose="05000000000000000000" pitchFamily="2" charset="2"/>
+              <a:buChar char="Ø"/>
+            </a:pPr>
+            <a:r>
+              <a:rPr lang="en-US" dirty="0"/>
+              <a:t>High number of null values in dataset (an example is the provision of options or drop down menus rather than asking respondents to fill data manually)</a:t>
+            </a:r>
+          </a:p>
+          <a:p>
+            <a:pPr lvl="1" algn="just">
+              <a:buFont typeface="Wingdings" panose="05000000000000000000" pitchFamily="2" charset="2"/>
+              <a:buChar char="Ø"/>
+            </a:pPr>
+            <a:r>
+              <a:rPr lang="en-US" dirty="0"/>
+              <a:t>Collecting uniform data across categories (significant examples: age and metropolis) to properly represent the population and provide a balanced data set</a:t>
+            </a:r>
+          </a:p>
+        </p:txBody>
+      </p:sp>
+    </p:spTree>
+    <p:extLst>
+      <p:ext uri="{BB962C8B-B14F-4D97-AF65-F5344CB8AC3E}">
+        <p14:creationId xmlns:p14="http://schemas.microsoft.com/office/powerpoint/2010/main" val="2177572988"/>
+      </p:ext>
+    </p:extLst>
+  </p:cSld>
+  <p:clrMapOvr>
+    <a:masterClrMapping/>
+  </p:clrMapOvr>
+</p:sld>
+</file>
+
+<file path=ppt/slides/slide11.xml><?xml version="1.0" encoding="utf-8"?>
+<p:sld xmlns:a="http://schemas.openxmlformats.org/drawingml/2006/main" xmlns:r="http://schemas.openxmlformats.org/officeDocument/2006/relationships" xmlns:p="http://schemas.openxmlformats.org/presentationml/2006/main">
+  <p:cSld>
+    <p:spTree>
+      <p:nvGrpSpPr>
+        <p:cNvPr id="1" name=""/>
+        <p:cNvGrpSpPr/>
+        <p:nvPr/>
+      </p:nvGrpSpPr>
+      <p:grpSpPr>
+        <a:xfrm>
+          <a:off x="0" y="0"/>
+          <a:ext cx="0" cy="0"/>
+          <a:chOff x="0" y="0"/>
+          <a:chExt cx="0" cy="0"/>
+        </a:xfrm>
+      </p:grpSpPr>
+      <p:sp>
+        <p:nvSpPr>
+          <p:cNvPr id="2" name="Title 1">
+            <a:extLst>
+              <a:ext uri="{FF2B5EF4-FFF2-40B4-BE49-F238E27FC236}">
+                <a16:creationId xmlns:a16="http://schemas.microsoft.com/office/drawing/2014/main" id="{FC69B1C9-10BF-41FB-A1EE-01FD3594B8E1}"/>
+              </a:ext>
+            </a:extLst>
+          </p:cNvPr>
+          <p:cNvSpPr>
+            <a:spLocks noGrp="1"/>
+          </p:cNvSpPr>
+          <p:nvPr>
+            <p:ph type="title"/>
+          </p:nvPr>
+        </p:nvSpPr>
+        <p:spPr/>
+        <p:txBody>
+          <a:bodyPr/>
+          <a:lstStyle/>
+          <a:p>
+            <a:r>
+              <a:rPr lang="en-US" dirty="0"/>
+              <a:t>Further Work</a:t>
+            </a:r>
+          </a:p>
+        </p:txBody>
+      </p:sp>
+      <p:sp>
+        <p:nvSpPr>
+          <p:cNvPr id="3" name="Content Placeholder 2">
+            <a:extLst>
+              <a:ext uri="{FF2B5EF4-FFF2-40B4-BE49-F238E27FC236}">
+                <a16:creationId xmlns:a16="http://schemas.microsoft.com/office/drawing/2014/main" id="{4F07438A-0146-4194-80E2-3A5F7B249891}"/>
+              </a:ext>
+            </a:extLst>
+          </p:cNvPr>
+          <p:cNvSpPr>
+            <a:spLocks noGrp="1"/>
+          </p:cNvSpPr>
+          <p:nvPr>
+            <p:ph idx="1"/>
+          </p:nvPr>
+        </p:nvSpPr>
+        <p:spPr/>
+        <p:txBody>
+          <a:bodyPr>
+            <a:normAutofit lnSpcReduction="10000"/>
+          </a:bodyPr>
+          <a:lstStyle/>
+          <a:p>
+            <a:pPr algn="just"/>
+            <a:r>
+              <a:rPr lang="en-US" dirty="0"/>
+              <a:t>To adopt this system for regular use at the charity, an ML pipeline can be built to integrate the whole data cleaning, feature engineering and prediction process.</a:t>
+            </a:r>
+          </a:p>
+          <a:p>
+            <a:pPr algn="just"/>
+            <a:r>
+              <a:rPr lang="en-US" dirty="0"/>
+              <a:t>Training a deep neural network and selecting the right hyperparameters to learn the data and make more accurate predictions</a:t>
+            </a:r>
+          </a:p>
+          <a:p>
+            <a:pPr algn="just"/>
+            <a:r>
+              <a:rPr lang="en-US" dirty="0"/>
+              <a:t>Collect enough data to develop a time series framework for this data and investigate the donation pattern among respondents based on time (e.g. When are the peak months where people are most likely to donate)</a:t>
+            </a:r>
+          </a:p>
+        </p:txBody>
+      </p:sp>
+    </p:spTree>
+    <p:extLst>
+      <p:ext uri="{BB962C8B-B14F-4D97-AF65-F5344CB8AC3E}">
+        <p14:creationId xmlns:p14="http://schemas.microsoft.com/office/powerpoint/2010/main" val="1168357848"/>
       </p:ext>
     </p:extLst>
   </p:cSld>
@@ -6883,16 +7075,28 @@
           <a:bodyPr/>
           <a:lstStyle/>
           <a:p>
+            <a:pPr algn="just"/>
             <a:r>
               <a:rPr lang="en-US" dirty="0"/>
               <a:t>The challenge here is to draw insights from previous donor history and make predictions based on that to identify the most likely donors to reach out to.</a:t>
             </a:r>
           </a:p>
           <a:p>
+            <a:pPr marL="0" indent="0" algn="just">
+              <a:buNone/>
+            </a:pPr>
+            <a:endParaRPr lang="en-US" dirty="0"/>
+          </a:p>
+          <a:p>
+            <a:pPr algn="just"/>
             <a:r>
               <a:rPr lang="en-US" dirty="0"/>
-              <a:t>Being able to identify the individuals with the highest potential to donate will save the charity organization time, money and efforts </a:t>
-            </a:r>
+              <a:t>Identifying individuals most likely to donate will help save the time and resources required to do the actual work of caring for the less privileged</a:t>
+            </a:r>
+          </a:p>
+          <a:p>
+            <a:pPr algn="just"/>
+            <a:endParaRPr lang="en-US" dirty="0"/>
           </a:p>
         </p:txBody>
       </p:sp>
@@ -6942,14 +7146,24 @@
             <p:ph type="title"/>
           </p:nvPr>
         </p:nvSpPr>
-        <p:spPr/>
+        <p:spPr>
+          <a:xfrm>
+            <a:off x="838200" y="365125"/>
+            <a:ext cx="4549346" cy="1325563"/>
+          </a:xfrm>
+        </p:spPr>
         <p:txBody>
           <a:bodyPr/>
           <a:lstStyle/>
           <a:p>
+            <a:pPr algn="just"/>
             <a:r>
               <a:rPr lang="en-US" dirty="0"/>
-              <a:t>Insights</a:t>
+              <a:t>Insights </a:t>
+            </a:r>
+            <a:r>
+              <a:rPr lang="en-US" sz="2000" dirty="0"/>
+              <a:t>(based on percentage of givers compared to non-donors in the dataset)</a:t>
             </a:r>
           </a:p>
         </p:txBody>
@@ -6973,35 +7187,85 @@
         <p:spPr>
           <a:xfrm>
             <a:off x="838200" y="1825625"/>
-            <a:ext cx="4835770" cy="3859742"/>
+            <a:ext cx="4784124" cy="3859742"/>
           </a:xfrm>
         </p:spPr>
         <p:txBody>
           <a:bodyPr/>
           <a:lstStyle/>
           <a:p>
+            <a:pPr algn="just"/>
+            <a:r>
+              <a:rPr lang="en-US" b="1" dirty="0"/>
+              <a:t>Age</a:t>
+            </a:r>
             <a:r>
               <a:rPr lang="en-US" dirty="0"/>
-              <a:t>Age</a:t>
-            </a:r>
-          </a:p>
-          <a:p>
-            <a:pPr marL="0" indent="0">
-              <a:buNone/>
+              <a:t> </a:t>
+            </a:r>
+          </a:p>
+          <a:p>
+            <a:pPr algn="just">
+              <a:buFont typeface="Wingdings" panose="05000000000000000000" pitchFamily="2" charset="2"/>
+              <a:buChar char="Ø"/>
             </a:pPr>
             <a:r>
-              <a:rPr lang="en-US" dirty="0"/>
-              <a:t>Most of the people who donated in the past were between the ages of 70 and 80. Promotional efforts should be targeted at this age group</a:t>
-            </a:r>
+              <a:rPr lang="en-US" sz="1800" dirty="0"/>
+              <a:t>People aged 50 had the highest significant contributions (35% donated)</a:t>
+            </a:r>
+          </a:p>
+          <a:p>
+            <a:pPr algn="just">
+              <a:buFont typeface="Wingdings" panose="05000000000000000000" pitchFamily="2" charset="2"/>
+              <a:buChar char="Ø"/>
+            </a:pPr>
+            <a:r>
+              <a:rPr lang="en-US" sz="1800" dirty="0"/>
+              <a:t>The next highest (significant) donors were those aged 80 and 82 with 31% of them donating</a:t>
+            </a:r>
+          </a:p>
+          <a:p>
+            <a:pPr algn="just">
+              <a:buFont typeface="Wingdings" panose="05000000000000000000" pitchFamily="2" charset="2"/>
+              <a:buChar char="Ø"/>
+            </a:pPr>
+            <a:r>
+              <a:rPr lang="en-US" sz="1800" dirty="0"/>
+              <a:t>Insufficient data to estimate younger people’s contribution.</a:t>
+            </a:r>
+          </a:p>
+          <a:p>
+            <a:pPr algn="just">
+              <a:buFont typeface="Wingdings" panose="05000000000000000000" pitchFamily="2" charset="2"/>
+              <a:buChar char="Ø"/>
+            </a:pPr>
+            <a:r>
+              <a:rPr lang="en-US" sz="1800" dirty="0"/>
+              <a:t>Based on available data, middle aged(50) and elderly people(80-82) should be targeted in donation requests</a:t>
+            </a:r>
+          </a:p>
+          <a:p>
+            <a:pPr algn="just">
+              <a:buFont typeface="Wingdings" panose="05000000000000000000" pitchFamily="2" charset="2"/>
+              <a:buChar char="Ø"/>
+            </a:pPr>
+            <a:endParaRPr lang="en-US" dirty="0"/>
+          </a:p>
+          <a:p>
+            <a:pPr algn="just">
+              <a:buFont typeface="Wingdings" panose="05000000000000000000" pitchFamily="2" charset="2"/>
+              <a:buChar char="Ø"/>
+            </a:pPr>
+            <a:endParaRPr lang="en-US" dirty="0"/>
           </a:p>
         </p:txBody>
       </p:sp>
       <p:pic>
         <p:nvPicPr>
-          <p:cNvPr id="1028" name="Picture 4">
-            <a:extLst>
-              <a:ext uri="{FF2B5EF4-FFF2-40B4-BE49-F238E27FC236}">
-                <a16:creationId xmlns:a16="http://schemas.microsoft.com/office/drawing/2014/main" id="{5C68076A-492B-453C-B426-5A8D1FAAD03F}"/>
+          <p:cNvPr id="1026" name="Picture 2">
+            <a:extLst>
+              <a:ext uri="{FF2B5EF4-FFF2-40B4-BE49-F238E27FC236}">
+                <a16:creationId xmlns:a16="http://schemas.microsoft.com/office/drawing/2014/main" id="{96B15669-868C-42A2-BF55-C00E01CF95AE}"/>
               </a:ext>
             </a:extLst>
           </p:cNvPr>
@@ -7025,8 +7289,8 @@
         </p:blipFill>
         <p:spPr bwMode="auto">
           <a:xfrm>
-            <a:off x="6096000" y="1825625"/>
-            <a:ext cx="6086511" cy="4270375"/>
+            <a:off x="5498757" y="630194"/>
+            <a:ext cx="6613377" cy="5424617"/>
           </a:xfrm>
           <a:prstGeom prst="rect">
             <a:avLst/>
@@ -7124,31 +7388,52 @@
           </a:xfrm>
         </p:spPr>
         <p:txBody>
-          <a:bodyPr/>
-          <a:lstStyle/>
-          <a:p>
+          <a:bodyPr>
+            <a:normAutofit lnSpcReduction="10000"/>
+          </a:bodyPr>
+          <a:lstStyle/>
+          <a:p>
+            <a:pPr algn="just"/>
+            <a:r>
+              <a:rPr lang="en-US" b="1" dirty="0"/>
+              <a:t>Income Group</a:t>
+            </a:r>
+          </a:p>
+          <a:p>
+            <a:pPr algn="just">
+              <a:buFont typeface="Wingdings" panose="05000000000000000000" pitchFamily="2" charset="2"/>
+              <a:buChar char="Ø"/>
+            </a:pPr>
             <a:r>
               <a:rPr lang="en-US" dirty="0"/>
-              <a:t>Wealth Rating </a:t>
-            </a:r>
-          </a:p>
-          <a:p>
-            <a:pPr marL="0" indent="0">
-              <a:buNone/>
+              <a:t>Expectedly, there were higher donor percentages from the top income groups.</a:t>
+            </a:r>
+          </a:p>
+          <a:p>
+            <a:pPr algn="just">
+              <a:buFont typeface="Wingdings" panose="05000000000000000000" pitchFamily="2" charset="2"/>
+              <a:buChar char="Ø"/>
             </a:pPr>
+            <a:endParaRPr lang="en-US" dirty="0"/>
+          </a:p>
+          <a:p>
+            <a:pPr algn="just">
+              <a:buFont typeface="Wingdings" panose="05000000000000000000" pitchFamily="2" charset="2"/>
+              <a:buChar char="Ø"/>
+            </a:pPr>
             <a:r>
               <a:rPr lang="en-US" dirty="0"/>
-              <a:t>As expected, people with higher wealth rating are more likely to give. Therefore, promotional efforts should be targeted at the more wealthy people</a:t>
+              <a:t>In making donation requests, people in income groups 5 and above should be given priority</a:t>
             </a:r>
           </a:p>
         </p:txBody>
       </p:sp>
       <p:pic>
         <p:nvPicPr>
-          <p:cNvPr id="2052" name="Picture 4">
-            <a:extLst>
-              <a:ext uri="{FF2B5EF4-FFF2-40B4-BE49-F238E27FC236}">
-                <a16:creationId xmlns:a16="http://schemas.microsoft.com/office/drawing/2014/main" id="{4E67AA5B-D1F8-4AA2-936E-548F1FB36CF7}"/>
+          <p:cNvPr id="2050" name="Picture 2">
+            <a:extLst>
+              <a:ext uri="{FF2B5EF4-FFF2-40B4-BE49-F238E27FC236}">
+                <a16:creationId xmlns:a16="http://schemas.microsoft.com/office/drawing/2014/main" id="{F83978A1-5C0B-44DB-ADBA-F09EA2923577}"/>
               </a:ext>
             </a:extLst>
           </p:cNvPr>
@@ -7172,8 +7457,8 @@
         </p:blipFill>
         <p:spPr bwMode="auto">
           <a:xfrm>
-            <a:off x="5702910" y="1632415"/>
-            <a:ext cx="5650890" cy="4052952"/>
+            <a:off x="6096000" y="1027905"/>
+            <a:ext cx="5641160" cy="5464970"/>
           </a:xfrm>
           <a:prstGeom prst="rect">
             <a:avLst/>
@@ -7225,7 +7510,7 @@
           <p:cNvPr id="2" name="Title 1">
             <a:extLst>
               <a:ext uri="{FF2B5EF4-FFF2-40B4-BE49-F238E27FC236}">
-                <a16:creationId xmlns:a16="http://schemas.microsoft.com/office/drawing/2014/main" id="{10A9B78B-2560-4464-B097-243B01486962}"/>
+                <a16:creationId xmlns:a16="http://schemas.microsoft.com/office/drawing/2014/main" id="{F95D52BF-AFAD-498A-93AF-C2BE64B82B5A}"/>
               </a:ext>
             </a:extLst>
           </p:cNvPr>
@@ -7243,7 +7528,7 @@
           <a:p>
             <a:r>
               <a:rPr lang="en-US" dirty="0"/>
-              <a:t>Insights(contd.)</a:t>
+              <a:t>Insights (contd.)</a:t>
             </a:r>
           </a:p>
         </p:txBody>
@@ -7253,7 +7538,7 @@
           <p:cNvPr id="3" name="Content Placeholder 2">
             <a:extLst>
               <a:ext uri="{FF2B5EF4-FFF2-40B4-BE49-F238E27FC236}">
-                <a16:creationId xmlns:a16="http://schemas.microsoft.com/office/drawing/2014/main" id="{D732A5FD-4879-4AF9-89ED-B2953A416A68}"/>
+                <a16:creationId xmlns:a16="http://schemas.microsoft.com/office/drawing/2014/main" id="{FE9DA790-8AD1-4D55-B3F8-354AE9240D4E}"/>
               </a:ext>
             </a:extLst>
           </p:cNvPr>
@@ -7271,31 +7556,51 @@
           </a:xfrm>
         </p:spPr>
         <p:txBody>
-          <a:bodyPr/>
-          <a:lstStyle/>
-          <a:p>
+          <a:bodyPr>
+            <a:normAutofit/>
+          </a:bodyPr>
+          <a:lstStyle/>
+          <a:p>
+            <a:pPr algn="just"/>
+            <a:r>
+              <a:rPr lang="en-US" b="1" dirty="0"/>
+              <a:t>Location</a:t>
+            </a:r>
+          </a:p>
+          <a:p>
+            <a:pPr algn="just">
+              <a:buFont typeface="Wingdings" panose="05000000000000000000" pitchFamily="2" charset="2"/>
+              <a:buChar char="Ø"/>
+            </a:pPr>
             <a:r>
               <a:rPr lang="en-US" dirty="0"/>
-              <a:t>Inhouse donations</a:t>
-            </a:r>
-          </a:p>
-          <a:p>
-            <a:pPr marL="0" indent="0">
-              <a:buNone/>
+              <a:t>Among respondents, suburban dwellers had the highest percentage donation (26.5%)</a:t>
+            </a:r>
+          </a:p>
+          <a:p>
+            <a:pPr algn="just">
+              <a:buFont typeface="Wingdings" panose="05000000000000000000" pitchFamily="2" charset="2"/>
+              <a:buChar char="Ø"/>
             </a:pPr>
             <a:r>
               <a:rPr lang="en-US" dirty="0"/>
-              <a:t>It appears, there’s little contribution among workers within the charity. There should be a focus on donation among staff as this with set a precedent for other people.</a:t>
-            </a:r>
+              <a:t>There isn’t sufficient data about urban dwellers(less than1500 data points)</a:t>
+            </a:r>
+          </a:p>
+          <a:p>
+            <a:pPr marL="0" indent="0" algn="just">
+              <a:buNone/>
+            </a:pPr>
+            <a:endParaRPr lang="en-US" dirty="0"/>
           </a:p>
         </p:txBody>
       </p:sp>
       <p:pic>
         <p:nvPicPr>
-          <p:cNvPr id="3074" name="Picture 2">
-            <a:extLst>
-              <a:ext uri="{FF2B5EF4-FFF2-40B4-BE49-F238E27FC236}">
-                <a16:creationId xmlns:a16="http://schemas.microsoft.com/office/drawing/2014/main" id="{53572723-BB7A-4FC7-9BB5-4D57666C2411}"/>
+          <p:cNvPr id="3076" name="Picture 4">
+            <a:extLst>
+              <a:ext uri="{FF2B5EF4-FFF2-40B4-BE49-F238E27FC236}">
+                <a16:creationId xmlns:a16="http://schemas.microsoft.com/office/drawing/2014/main" id="{663E7BD1-0E31-4D02-9C9C-DB738887EF71}"/>
               </a:ext>
             </a:extLst>
           </p:cNvPr>
@@ -7319,157 +7624,8 @@
         </p:blipFill>
         <p:spPr bwMode="auto">
           <a:xfrm>
-            <a:off x="6096000" y="1827170"/>
-            <a:ext cx="6012476" cy="3993134"/>
-          </a:xfrm>
-          <a:prstGeom prst="rect">
-            <a:avLst/>
-          </a:prstGeom>
-          <a:noFill/>
-          <a:extLst>
-            <a:ext uri="{909E8E84-426E-40DD-AFC4-6F175D3DCCD1}">
-              <a14:hiddenFill xmlns:a14="http://schemas.microsoft.com/office/drawing/2010/main">
-                <a:solidFill>
-                  <a:srgbClr val="FFFFFF"/>
-                </a:solidFill>
-              </a14:hiddenFill>
-            </a:ext>
-          </a:extLst>
-        </p:spPr>
-      </p:pic>
-    </p:spTree>
-    <p:extLst>
-      <p:ext uri="{BB962C8B-B14F-4D97-AF65-F5344CB8AC3E}">
-        <p14:creationId xmlns:p14="http://schemas.microsoft.com/office/powerpoint/2010/main" val="3400703171"/>
-      </p:ext>
-    </p:extLst>
-  </p:cSld>
-  <p:clrMapOvr>
-    <a:masterClrMapping/>
-  </p:clrMapOvr>
-</p:sld>
-</file>
-
-<file path=ppt/slides/slide6.xml><?xml version="1.0" encoding="utf-8"?>
-<p:sld xmlns:a="http://schemas.openxmlformats.org/drawingml/2006/main" xmlns:r="http://schemas.openxmlformats.org/officeDocument/2006/relationships" xmlns:p="http://schemas.openxmlformats.org/presentationml/2006/main">
-  <p:cSld>
-    <p:spTree>
-      <p:nvGrpSpPr>
-        <p:cNvPr id="1" name=""/>
-        <p:cNvGrpSpPr/>
-        <p:nvPr/>
-      </p:nvGrpSpPr>
-      <p:grpSpPr>
-        <a:xfrm>
-          <a:off x="0" y="0"/>
-          <a:ext cx="0" cy="0"/>
-          <a:chOff x="0" y="0"/>
-          <a:chExt cx="0" cy="0"/>
-        </a:xfrm>
-      </p:grpSpPr>
-      <p:sp>
-        <p:nvSpPr>
-          <p:cNvPr id="2" name="Title 1">
-            <a:extLst>
-              <a:ext uri="{FF2B5EF4-FFF2-40B4-BE49-F238E27FC236}">
-                <a16:creationId xmlns:a16="http://schemas.microsoft.com/office/drawing/2014/main" id="{F95D52BF-AFAD-498A-93AF-C2BE64B82B5A}"/>
-              </a:ext>
-            </a:extLst>
-          </p:cNvPr>
-          <p:cNvSpPr>
-            <a:spLocks noGrp="1"/>
-          </p:cNvSpPr>
-          <p:nvPr>
-            <p:ph type="title"/>
-          </p:nvPr>
-        </p:nvSpPr>
-        <p:spPr/>
-        <p:txBody>
-          <a:bodyPr/>
-          <a:lstStyle/>
-          <a:p>
-            <a:r>
-              <a:rPr lang="en-US" dirty="0"/>
-              <a:t>Insights (contd.)</a:t>
-            </a:r>
-          </a:p>
-        </p:txBody>
-      </p:sp>
-      <p:sp>
-        <p:nvSpPr>
-          <p:cNvPr id="3" name="Content Placeholder 2">
-            <a:extLst>
-              <a:ext uri="{FF2B5EF4-FFF2-40B4-BE49-F238E27FC236}">
-                <a16:creationId xmlns:a16="http://schemas.microsoft.com/office/drawing/2014/main" id="{FE9DA790-8AD1-4D55-B3F8-354AE9240D4E}"/>
-              </a:ext>
-            </a:extLst>
-          </p:cNvPr>
-          <p:cNvSpPr>
-            <a:spLocks noGrp="1"/>
-          </p:cNvSpPr>
-          <p:nvPr>
-            <p:ph idx="1"/>
-          </p:nvPr>
-        </p:nvSpPr>
-        <p:spPr>
-          <a:xfrm>
-            <a:off x="838200" y="1825625"/>
-            <a:ext cx="5257800" cy="3859742"/>
-          </a:xfrm>
-        </p:spPr>
-        <p:txBody>
-          <a:bodyPr>
-            <a:normAutofit lnSpcReduction="10000"/>
-          </a:bodyPr>
-          <a:lstStyle/>
-          <a:p>
-            <a:r>
-              <a:rPr lang="en-US" dirty="0"/>
-              <a:t>Location</a:t>
-            </a:r>
-          </a:p>
-          <a:p>
-            <a:pPr marL="0" indent="0">
-              <a:buNone/>
-            </a:pPr>
-            <a:r>
-              <a:rPr lang="en-US" dirty="0"/>
-              <a:t>It appears from the data graph that there’s comparatively little data about people in Urban area. There is a good chance that urban dwellers will be willing to donate, so more efforts should be made to reach out to people in these areas</a:t>
-            </a:r>
-          </a:p>
-        </p:txBody>
-      </p:sp>
-      <p:pic>
-        <p:nvPicPr>
-          <p:cNvPr id="4098" name="Picture 2">
-            <a:extLst>
-              <a:ext uri="{FF2B5EF4-FFF2-40B4-BE49-F238E27FC236}">
-                <a16:creationId xmlns:a16="http://schemas.microsoft.com/office/drawing/2014/main" id="{11D8C8A0-07DA-4165-82B3-3AA237A7F06C}"/>
-              </a:ext>
-            </a:extLst>
-          </p:cNvPr>
-          <p:cNvPicPr>
-            <a:picLocks noChangeAspect="1" noChangeArrowheads="1"/>
-          </p:cNvPicPr>
-          <p:nvPr/>
-        </p:nvPicPr>
-        <p:blipFill>
-          <a:blip r:embed="rId2">
-            <a:extLst>
-              <a:ext uri="{28A0092B-C50C-407E-A947-70E740481C1C}">
-                <a14:useLocalDpi xmlns:a14="http://schemas.microsoft.com/office/drawing/2010/main" val="0"/>
-              </a:ext>
-            </a:extLst>
-          </a:blip>
-          <a:srcRect/>
-          <a:stretch>
-            <a:fillRect/>
-          </a:stretch>
-        </p:blipFill>
-        <p:spPr bwMode="auto">
-          <a:xfrm>
-            <a:off x="6096000" y="1825624"/>
-            <a:ext cx="5399465" cy="3590437"/>
+            <a:off x="6273533" y="656492"/>
+            <a:ext cx="5615133" cy="5836383"/>
           </a:xfrm>
           <a:prstGeom prst="rect">
             <a:avLst/>
@@ -7499,6 +7655,174 @@
 </p:sld>
 </file>
 
+<file path=ppt/slides/slide6.xml><?xml version="1.0" encoding="utf-8"?>
+<p:sld xmlns:a="http://schemas.openxmlformats.org/drawingml/2006/main" xmlns:r="http://schemas.openxmlformats.org/officeDocument/2006/relationships" xmlns:p="http://schemas.openxmlformats.org/presentationml/2006/main">
+  <p:cSld>
+    <p:spTree>
+      <p:nvGrpSpPr>
+        <p:cNvPr id="1" name=""/>
+        <p:cNvGrpSpPr/>
+        <p:nvPr/>
+      </p:nvGrpSpPr>
+      <p:grpSpPr>
+        <a:xfrm>
+          <a:off x="0" y="0"/>
+          <a:ext cx="0" cy="0"/>
+          <a:chOff x="0" y="0"/>
+          <a:chExt cx="0" cy="0"/>
+        </a:xfrm>
+      </p:grpSpPr>
+      <p:sp>
+        <p:nvSpPr>
+          <p:cNvPr id="7" name="Title 1">
+            <a:extLst>
+              <a:ext uri="{FF2B5EF4-FFF2-40B4-BE49-F238E27FC236}">
+                <a16:creationId xmlns:a16="http://schemas.microsoft.com/office/drawing/2014/main" id="{54E339D9-DF19-4EA0-8422-567FEE5E864C}"/>
+              </a:ext>
+            </a:extLst>
+          </p:cNvPr>
+          <p:cNvSpPr>
+            <a:spLocks noGrp="1"/>
+          </p:cNvSpPr>
+          <p:nvPr>
+            <p:ph type="title"/>
+          </p:nvPr>
+        </p:nvSpPr>
+        <p:spPr>
+          <a:xfrm>
+            <a:off x="838200" y="365125"/>
+            <a:ext cx="10515600" cy="1325563"/>
+          </a:xfrm>
+        </p:spPr>
+        <p:txBody>
+          <a:bodyPr/>
+          <a:lstStyle/>
+          <a:p>
+            <a:r>
+              <a:rPr lang="en-US" dirty="0"/>
+              <a:t>Insights (contd.)</a:t>
+            </a:r>
+          </a:p>
+        </p:txBody>
+      </p:sp>
+      <p:sp>
+        <p:nvSpPr>
+          <p:cNvPr id="8" name="Content Placeholder 2">
+            <a:extLst>
+              <a:ext uri="{FF2B5EF4-FFF2-40B4-BE49-F238E27FC236}">
+                <a16:creationId xmlns:a16="http://schemas.microsoft.com/office/drawing/2014/main" id="{562E6176-CD77-4054-93C7-9673D724CCEE}"/>
+              </a:ext>
+            </a:extLst>
+          </p:cNvPr>
+          <p:cNvSpPr>
+            <a:spLocks noGrp="1"/>
+          </p:cNvSpPr>
+          <p:nvPr>
+            <p:ph idx="1"/>
+          </p:nvPr>
+        </p:nvSpPr>
+        <p:spPr>
+          <a:xfrm>
+            <a:off x="838201" y="1825625"/>
+            <a:ext cx="4720794" cy="3500137"/>
+          </a:xfrm>
+        </p:spPr>
+        <p:txBody>
+          <a:bodyPr>
+            <a:normAutofit/>
+          </a:bodyPr>
+          <a:lstStyle/>
+          <a:p>
+            <a:pPr algn="just"/>
+            <a:r>
+              <a:rPr lang="en-US" b="1" dirty="0"/>
+              <a:t>Gender</a:t>
+            </a:r>
+          </a:p>
+          <a:p>
+            <a:pPr marL="0" indent="0" algn="just">
+              <a:buNone/>
+            </a:pPr>
+            <a:endParaRPr lang="en-US" dirty="0"/>
+          </a:p>
+          <a:p>
+            <a:pPr algn="just">
+              <a:buFont typeface="Wingdings" panose="05000000000000000000" pitchFamily="2" charset="2"/>
+              <a:buChar char="Ø"/>
+            </a:pPr>
+            <a:r>
+              <a:rPr lang="en-US" dirty="0"/>
+              <a:t>Gender does not seem to be a significant factor in determining whether a given respondent would donate or not.</a:t>
+            </a:r>
+          </a:p>
+          <a:p>
+            <a:pPr marL="0" indent="0" algn="just">
+              <a:buNone/>
+            </a:pPr>
+            <a:endParaRPr lang="en-US" dirty="0"/>
+          </a:p>
+        </p:txBody>
+      </p:sp>
+      <p:pic>
+        <p:nvPicPr>
+          <p:cNvPr id="4098" name="Picture 2">
+            <a:extLst>
+              <a:ext uri="{FF2B5EF4-FFF2-40B4-BE49-F238E27FC236}">
+                <a16:creationId xmlns:a16="http://schemas.microsoft.com/office/drawing/2014/main" id="{720C08AA-4583-4433-B59D-86032D2D73F0}"/>
+              </a:ext>
+            </a:extLst>
+          </p:cNvPr>
+          <p:cNvPicPr>
+            <a:picLocks noChangeAspect="1" noChangeArrowheads="1"/>
+          </p:cNvPicPr>
+          <p:nvPr/>
+        </p:nvPicPr>
+        <p:blipFill>
+          <a:blip r:embed="rId2">
+            <a:extLst>
+              <a:ext uri="{28A0092B-C50C-407E-A947-70E740481C1C}">
+                <a14:useLocalDpi xmlns:a14="http://schemas.microsoft.com/office/drawing/2010/main" val="0"/>
+              </a:ext>
+            </a:extLst>
+          </a:blip>
+          <a:srcRect/>
+          <a:stretch>
+            <a:fillRect/>
+          </a:stretch>
+        </p:blipFill>
+        <p:spPr bwMode="auto">
+          <a:xfrm>
+            <a:off x="5558994" y="988542"/>
+            <a:ext cx="6202579" cy="4243870"/>
+          </a:xfrm>
+          <a:prstGeom prst="rect">
+            <a:avLst/>
+          </a:prstGeom>
+          <a:noFill/>
+          <a:extLst>
+            <a:ext uri="{909E8E84-426E-40DD-AFC4-6F175D3DCCD1}">
+              <a14:hiddenFill xmlns:a14="http://schemas.microsoft.com/office/drawing/2010/main">
+                <a:solidFill>
+                  <a:srgbClr val="FFFFFF"/>
+                </a:solidFill>
+              </a14:hiddenFill>
+            </a:ext>
+          </a:extLst>
+        </p:spPr>
+      </p:pic>
+    </p:spTree>
+    <p:extLst>
+      <p:ext uri="{BB962C8B-B14F-4D97-AF65-F5344CB8AC3E}">
+        <p14:creationId xmlns:p14="http://schemas.microsoft.com/office/powerpoint/2010/main" val="4023803324"/>
+      </p:ext>
+    </p:extLst>
+  </p:cSld>
+  <p:clrMapOvr>
+    <a:masterClrMapping/>
+  </p:clrMapOvr>
+</p:sld>
+</file>
+
 <file path=ppt/slides/slide7.xml><?xml version="1.0" encoding="utf-8"?>
 <p:sld xmlns:a="http://schemas.openxmlformats.org/drawingml/2006/main" xmlns:r="http://schemas.openxmlformats.org/officeDocument/2006/relationships" xmlns:p="http://schemas.openxmlformats.org/presentationml/2006/main">
   <p:cSld>
@@ -7521,7 +7845,7 @@
           <p:cNvPr id="2" name="Title 1">
             <a:extLst>
               <a:ext uri="{FF2B5EF4-FFF2-40B4-BE49-F238E27FC236}">
-                <a16:creationId xmlns:a16="http://schemas.microsoft.com/office/drawing/2014/main" id="{AD506057-9C90-413C-852F-A68D60230CFF}"/>
+                <a16:creationId xmlns:a16="http://schemas.microsoft.com/office/drawing/2014/main" id="{101A6C96-9539-444B-B948-59E09E0BFFC0}"/>
               </a:ext>
             </a:extLst>
           </p:cNvPr>
@@ -7539,7 +7863,7 @@
           <a:p>
             <a:r>
               <a:rPr lang="en-US" dirty="0"/>
-              <a:t>Prospects to Contact</a:t>
+              <a:t>Missing Data and Null Values</a:t>
             </a:r>
           </a:p>
         </p:txBody>
@@ -7549,7 +7873,7 @@
           <p:cNvPr id="3" name="Content Placeholder 2">
             <a:extLst>
               <a:ext uri="{FF2B5EF4-FFF2-40B4-BE49-F238E27FC236}">
-                <a16:creationId xmlns:a16="http://schemas.microsoft.com/office/drawing/2014/main" id="{9A20FE87-1356-4D47-8F91-52AE425A1A0E}"/>
+                <a16:creationId xmlns:a16="http://schemas.microsoft.com/office/drawing/2014/main" id="{7BEA291B-1A5F-4B69-9567-E50BF98C6346}"/>
               </a:ext>
             </a:extLst>
           </p:cNvPr>
@@ -7560,34 +7884,353 @@
             <p:ph idx="1"/>
           </p:nvPr>
         </p:nvSpPr>
-        <p:spPr/>
-        <p:txBody>
-          <a:bodyPr/>
-          <a:lstStyle/>
-          <a:p>
-            <a:r>
-              <a:rPr lang="en-US"/>
-              <a:t>867 </a:t>
-            </a:r>
+        <p:spPr>
+          <a:xfrm>
+            <a:off x="838200" y="1825625"/>
+            <a:ext cx="4695092" cy="3859742"/>
+          </a:xfrm>
+        </p:spPr>
+        <p:txBody>
+          <a:bodyPr>
+            <a:normAutofit fontScale="92500" lnSpcReduction="20000"/>
+          </a:bodyPr>
+          <a:lstStyle/>
+          <a:p>
             <a:r>
               <a:rPr lang="en-US" dirty="0"/>
-              <a:t>individuals are predicted to be likely to donate to the charity and they are identified by their controlled number as given by the </a:t>
-            </a:r>
-            <a:r>
-              <a:rPr lang="en-US" dirty="0" err="1"/>
-              <a:t>list_of_likely_donors</a:t>
-            </a:r>
+              <a:t>Columns with a high amount of missing data were left out of the analysis (Target D- 75%. Wealth Rating: 45.48%)</a:t>
+            </a:r>
+          </a:p>
+          <a:p>
             <a:r>
               <a:rPr lang="en-US" dirty="0"/>
-              <a:t> series in the prediction python notebook file.</a:t>
-            </a:r>
-          </a:p>
-        </p:txBody>
-      </p:sp>
+              <a:t>Income Group and Donor Age had 22.67% and 24.75% null values respectively</a:t>
+            </a:r>
+          </a:p>
+          <a:p>
+            <a:r>
+              <a:rPr lang="en-US" dirty="0"/>
+              <a:t>The null values were filled with mode and mean based on Metropolis</a:t>
+            </a:r>
+          </a:p>
+        </p:txBody>
+      </p:sp>
+      <p:pic>
+        <p:nvPicPr>
+          <p:cNvPr id="5124" name="Picture 4">
+            <a:extLst>
+              <a:ext uri="{FF2B5EF4-FFF2-40B4-BE49-F238E27FC236}">
+                <a16:creationId xmlns:a16="http://schemas.microsoft.com/office/drawing/2014/main" id="{6F2AC5E9-F70F-40B4-8291-D72BF0CC9F89}"/>
+              </a:ext>
+            </a:extLst>
+          </p:cNvPr>
+          <p:cNvPicPr>
+            <a:picLocks noChangeAspect="1" noChangeArrowheads="1"/>
+          </p:cNvPicPr>
+          <p:nvPr/>
+        </p:nvPicPr>
+        <p:blipFill>
+          <a:blip r:embed="rId2">
+            <a:extLst>
+              <a:ext uri="{28A0092B-C50C-407E-A947-70E740481C1C}">
+                <a14:useLocalDpi xmlns:a14="http://schemas.microsoft.com/office/drawing/2010/main" val="0"/>
+              </a:ext>
+            </a:extLst>
+          </a:blip>
+          <a:srcRect/>
+          <a:stretch>
+            <a:fillRect/>
+          </a:stretch>
+        </p:blipFill>
+        <p:spPr bwMode="auto">
+          <a:xfrm>
+            <a:off x="5533291" y="1838651"/>
+            <a:ext cx="6166339" cy="2127868"/>
+          </a:xfrm>
+          <a:prstGeom prst="rect">
+            <a:avLst/>
+          </a:prstGeom>
+          <a:noFill/>
+          <a:extLst>
+            <a:ext uri="{909E8E84-426E-40DD-AFC4-6F175D3DCCD1}">
+              <a14:hiddenFill xmlns:a14="http://schemas.microsoft.com/office/drawing/2010/main">
+                <a:solidFill>
+                  <a:srgbClr val="FFFFFF"/>
+                </a:solidFill>
+              </a14:hiddenFill>
+            </a:ext>
+          </a:extLst>
+        </p:spPr>
+      </p:pic>
+      <p:pic>
+        <p:nvPicPr>
+          <p:cNvPr id="5126" name="Picture 6">
+            <a:extLst>
+              <a:ext uri="{FF2B5EF4-FFF2-40B4-BE49-F238E27FC236}">
+                <a16:creationId xmlns:a16="http://schemas.microsoft.com/office/drawing/2014/main" id="{7E1B190D-3C66-4E0C-837B-81D4999D531A}"/>
+              </a:ext>
+            </a:extLst>
+          </p:cNvPr>
+          <p:cNvPicPr>
+            <a:picLocks noChangeAspect="1" noChangeArrowheads="1"/>
+          </p:cNvPicPr>
+          <p:nvPr/>
+        </p:nvPicPr>
+        <p:blipFill>
+          <a:blip r:embed="rId3">
+            <a:extLst>
+              <a:ext uri="{28A0092B-C50C-407E-A947-70E740481C1C}">
+                <a14:useLocalDpi xmlns:a14="http://schemas.microsoft.com/office/drawing/2010/main" val="0"/>
+              </a:ext>
+            </a:extLst>
+          </a:blip>
+          <a:srcRect/>
+          <a:stretch>
+            <a:fillRect/>
+          </a:stretch>
+        </p:blipFill>
+        <p:spPr bwMode="auto">
+          <a:xfrm>
+            <a:off x="5845132" y="3997325"/>
+            <a:ext cx="5854498" cy="2495550"/>
+          </a:xfrm>
+          <a:prstGeom prst="rect">
+            <a:avLst/>
+          </a:prstGeom>
+          <a:noFill/>
+          <a:extLst>
+            <a:ext uri="{909E8E84-426E-40DD-AFC4-6F175D3DCCD1}">
+              <a14:hiddenFill xmlns:a14="http://schemas.microsoft.com/office/drawing/2010/main">
+                <a:solidFill>
+                  <a:srgbClr val="FFFFFF"/>
+                </a:solidFill>
+              </a14:hiddenFill>
+            </a:ext>
+          </a:extLst>
+        </p:spPr>
+      </p:pic>
     </p:spTree>
     <p:extLst>
       <p:ext uri="{BB962C8B-B14F-4D97-AF65-F5344CB8AC3E}">
-        <p14:creationId xmlns:p14="http://schemas.microsoft.com/office/powerpoint/2010/main" val="2177572988"/>
+        <p14:creationId xmlns:p14="http://schemas.microsoft.com/office/powerpoint/2010/main" val="2993633289"/>
+      </p:ext>
+    </p:extLst>
+  </p:cSld>
+  <p:clrMapOvr>
+    <a:masterClrMapping/>
+  </p:clrMapOvr>
+</p:sld>
+</file>
+
+<file path=ppt/slides/slide8.xml><?xml version="1.0" encoding="utf-8"?>
+<p:sld xmlns:a="http://schemas.openxmlformats.org/drawingml/2006/main" xmlns:r="http://schemas.openxmlformats.org/officeDocument/2006/relationships" xmlns:p="http://schemas.openxmlformats.org/presentationml/2006/main">
+  <p:cSld>
+    <p:spTree>
+      <p:nvGrpSpPr>
+        <p:cNvPr id="1" name=""/>
+        <p:cNvGrpSpPr/>
+        <p:nvPr/>
+      </p:nvGrpSpPr>
+      <p:grpSpPr>
+        <a:xfrm>
+          <a:off x="0" y="0"/>
+          <a:ext cx="0" cy="0"/>
+          <a:chOff x="0" y="0"/>
+          <a:chExt cx="0" cy="0"/>
+        </a:xfrm>
+      </p:grpSpPr>
+      <p:sp>
+        <p:nvSpPr>
+          <p:cNvPr id="2" name="Title 1">
+            <a:extLst>
+              <a:ext uri="{FF2B5EF4-FFF2-40B4-BE49-F238E27FC236}">
+                <a16:creationId xmlns:a16="http://schemas.microsoft.com/office/drawing/2014/main" id="{3FB4353C-15A0-4F1E-87D1-E8C6156A04AC}"/>
+              </a:ext>
+            </a:extLst>
+          </p:cNvPr>
+          <p:cNvSpPr>
+            <a:spLocks noGrp="1"/>
+          </p:cNvSpPr>
+          <p:nvPr>
+            <p:ph type="title"/>
+          </p:nvPr>
+        </p:nvSpPr>
+        <p:spPr/>
+        <p:txBody>
+          <a:bodyPr/>
+          <a:lstStyle/>
+          <a:p>
+            <a:r>
+              <a:rPr lang="en-US" dirty="0"/>
+              <a:t>Data Preparation</a:t>
+            </a:r>
+          </a:p>
+        </p:txBody>
+      </p:sp>
+      <p:sp>
+        <p:nvSpPr>
+          <p:cNvPr id="3" name="Content Placeholder 2">
+            <a:extLst>
+              <a:ext uri="{FF2B5EF4-FFF2-40B4-BE49-F238E27FC236}">
+                <a16:creationId xmlns:a16="http://schemas.microsoft.com/office/drawing/2014/main" id="{D8E1CD53-8EDB-4F6D-A613-73C05AF6A909}"/>
+              </a:ext>
+            </a:extLst>
+          </p:cNvPr>
+          <p:cNvSpPr>
+            <a:spLocks noGrp="1"/>
+          </p:cNvSpPr>
+          <p:nvPr>
+            <p:ph idx="1"/>
+          </p:nvPr>
+        </p:nvSpPr>
+        <p:spPr/>
+        <p:txBody>
+          <a:bodyPr/>
+          <a:lstStyle/>
+          <a:p>
+            <a:r>
+              <a:rPr lang="en-US" dirty="0"/>
+              <a:t>Removal of collinear features (Months since first gift and Average file gift)</a:t>
+            </a:r>
+          </a:p>
+          <a:p>
+            <a:r>
+              <a:rPr lang="en-US" dirty="0"/>
+              <a:t>Removal of observations with Age 0</a:t>
+            </a:r>
+          </a:p>
+          <a:p>
+            <a:r>
+              <a:rPr lang="en-US" dirty="0"/>
+              <a:t>Applying Log transformation to columns with high skew</a:t>
+            </a:r>
+          </a:p>
+          <a:p>
+            <a:r>
+              <a:rPr lang="en-US" dirty="0"/>
+              <a:t>Removal of Gender category A present in training set but not prediction test</a:t>
+            </a:r>
+          </a:p>
+          <a:p>
+            <a:r>
+              <a:rPr lang="en-US" dirty="0" err="1"/>
+              <a:t>Undersampling</a:t>
+            </a:r>
+            <a:r>
+              <a:rPr lang="en-US" dirty="0"/>
+              <a:t> to balance the data</a:t>
+            </a:r>
+          </a:p>
+        </p:txBody>
+      </p:sp>
+    </p:spTree>
+    <p:extLst>
+      <p:ext uri="{BB962C8B-B14F-4D97-AF65-F5344CB8AC3E}">
+        <p14:creationId xmlns:p14="http://schemas.microsoft.com/office/powerpoint/2010/main" val="349039681"/>
+      </p:ext>
+    </p:extLst>
+  </p:cSld>
+  <p:clrMapOvr>
+    <a:masterClrMapping/>
+  </p:clrMapOvr>
+</p:sld>
+</file>
+
+<file path=ppt/slides/slide9.xml><?xml version="1.0" encoding="utf-8"?>
+<p:sld xmlns:a="http://schemas.openxmlformats.org/drawingml/2006/main" xmlns:r="http://schemas.openxmlformats.org/officeDocument/2006/relationships" xmlns:p="http://schemas.openxmlformats.org/presentationml/2006/main">
+  <p:cSld>
+    <p:spTree>
+      <p:nvGrpSpPr>
+        <p:cNvPr id="1" name=""/>
+        <p:cNvGrpSpPr/>
+        <p:nvPr/>
+      </p:nvGrpSpPr>
+      <p:grpSpPr>
+        <a:xfrm>
+          <a:off x="0" y="0"/>
+          <a:ext cx="0" cy="0"/>
+          <a:chOff x="0" y="0"/>
+          <a:chExt cx="0" cy="0"/>
+        </a:xfrm>
+      </p:grpSpPr>
+      <p:sp>
+        <p:nvSpPr>
+          <p:cNvPr id="2" name="Title 1">
+            <a:extLst>
+              <a:ext uri="{FF2B5EF4-FFF2-40B4-BE49-F238E27FC236}">
+                <a16:creationId xmlns:a16="http://schemas.microsoft.com/office/drawing/2014/main" id="{285B9D05-2308-475E-B3B9-C2B52AB61352}"/>
+              </a:ext>
+            </a:extLst>
+          </p:cNvPr>
+          <p:cNvSpPr>
+            <a:spLocks noGrp="1"/>
+          </p:cNvSpPr>
+          <p:nvPr>
+            <p:ph type="title"/>
+          </p:nvPr>
+        </p:nvSpPr>
+        <p:spPr/>
+        <p:txBody>
+          <a:bodyPr/>
+          <a:lstStyle/>
+          <a:p>
+            <a:r>
+              <a:rPr lang="en-US" dirty="0"/>
+              <a:t>Prediction</a:t>
+            </a:r>
+          </a:p>
+        </p:txBody>
+      </p:sp>
+      <p:sp>
+        <p:nvSpPr>
+          <p:cNvPr id="3" name="Content Placeholder 2">
+            <a:extLst>
+              <a:ext uri="{FF2B5EF4-FFF2-40B4-BE49-F238E27FC236}">
+                <a16:creationId xmlns:a16="http://schemas.microsoft.com/office/drawing/2014/main" id="{9CB3CA6E-E933-48F7-AA83-F90F3130F19D}"/>
+              </a:ext>
+            </a:extLst>
+          </p:cNvPr>
+          <p:cNvSpPr>
+            <a:spLocks noGrp="1"/>
+          </p:cNvSpPr>
+          <p:nvPr>
+            <p:ph idx="1"/>
+          </p:nvPr>
+        </p:nvSpPr>
+        <p:spPr/>
+        <p:txBody>
+          <a:bodyPr/>
+          <a:lstStyle/>
+          <a:p>
+            <a:pPr algn="just"/>
+            <a:r>
+              <a:rPr lang="en-US" dirty="0"/>
+              <a:t>Performance Metric: The positive recall (TP/FN+TP) was chosen for measuring performance since we need to identify donors.</a:t>
+            </a:r>
+          </a:p>
+          <a:p>
+            <a:pPr marL="0" indent="0" algn="just">
+              <a:buNone/>
+            </a:pPr>
+            <a:endParaRPr lang="en-US" dirty="0"/>
+          </a:p>
+          <a:p>
+            <a:pPr algn="just"/>
+            <a:r>
+              <a:rPr lang="en-US" dirty="0"/>
+              <a:t>A Decision Tree Classifier provided the highest recall and was trained on the training data then applied to the prospective donors data, generating a list of 516 control numbers identifying the most likely donors to reach out to</a:t>
+            </a:r>
+          </a:p>
+          <a:p>
+            <a:pPr algn="just"/>
+            <a:endParaRPr lang="en-US" dirty="0"/>
+          </a:p>
+        </p:txBody>
+      </p:sp>
+    </p:spTree>
+    <p:extLst>
+      <p:ext uri="{BB962C8B-B14F-4D97-AF65-F5344CB8AC3E}">
+        <p14:creationId xmlns:p14="http://schemas.microsoft.com/office/powerpoint/2010/main" val="1932306908"/>
       </p:ext>
     </p:extLst>
   </p:cSld>
